--- a/slides/image-classification.pptx
+++ b/slides/image-classification.pptx
@@ -224,7 +224,7 @@
             <a:fld id="{2093731F-789F-45CC-BEDF-7026F0EF2632}" type="datetimeFigureOut">
               <a:rPr lang="en-US" smtClean="0"/>
               <a:pPr/>
-              <a:t>2/17/2023</a:t>
+              <a:t>2/24/2023</a:t>
             </a:fld>
             <a:endParaRPr lang="en-US"/>
           </a:p>
@@ -750,7 +750,7 @@
           <a:p>
             <a:fld id="{71D30442-55AD-49BD-9C26-9B4572E9D7EE}" type="datetime1">
               <a:rPr lang="en-US" smtClean="0"/>
-              <a:t>2/17/2023</a:t>
+              <a:t>2/24/2023</a:t>
             </a:fld>
             <a:endParaRPr lang="en-US"/>
           </a:p>
@@ -920,7 +920,7 @@
           <a:p>
             <a:fld id="{611BF131-5B27-4AB4-AA37-C07CF22C9E62}" type="datetime1">
               <a:rPr lang="en-US" smtClean="0"/>
-              <a:t>2/17/2023</a:t>
+              <a:t>2/24/2023</a:t>
             </a:fld>
             <a:endParaRPr lang="en-US"/>
           </a:p>
@@ -1167,7 +1167,7 @@
           <a:p>
             <a:fld id="{82C8EF03-3DEF-474E-9EAF-8086748F01A7}" type="datetime1">
               <a:rPr lang="en-US" smtClean="0"/>
-              <a:t>2/17/2023</a:t>
+              <a:t>2/24/2023</a:t>
             </a:fld>
             <a:endParaRPr lang="en-US"/>
           </a:p>
@@ -1454,7 +1454,7 @@
           <a:p>
             <a:fld id="{63D3A98F-7CA9-4C6D-9499-3107765C7056}" type="datetime1">
               <a:rPr lang="en-US" smtClean="0"/>
-              <a:t>2/17/2023</a:t>
+              <a:t>2/24/2023</a:t>
             </a:fld>
             <a:endParaRPr lang="en-US"/>
           </a:p>
@@ -1573,7 +1573,7 @@
           <a:p>
             <a:fld id="{B8295E8E-7BE8-4D64-B1EF-5DDF22692D18}" type="datetime1">
               <a:rPr lang="en-US" smtClean="0"/>
-              <a:t>2/17/2023</a:t>
+              <a:t>2/24/2023</a:t>
             </a:fld>
             <a:endParaRPr lang="en-US"/>
           </a:p>
@@ -1670,7 +1670,7 @@
           <a:p>
             <a:fld id="{BB405F9D-21CE-427E-BA2F-6FF1A631AEFB}" type="datetime1">
               <a:rPr lang="en-US" smtClean="0"/>
-              <a:t>2/17/2023</a:t>
+              <a:t>2/24/2023</a:t>
             </a:fld>
             <a:endParaRPr lang="en-US"/>
           </a:p>
@@ -1883,7 +1883,7 @@
           <a:p>
             <a:fld id="{04609F13-D3C8-46E4-99AA-719425E388B7}" type="datetime1">
               <a:rPr lang="en-US" smtClean="0"/>
-              <a:t>2/17/2023</a:t>
+              <a:t>2/24/2023</a:t>
             </a:fld>
             <a:endParaRPr lang="en-US"/>
           </a:p>
@@ -7774,8 +7774,8 @@
         </p:nvGrpSpPr>
         <p:grpSpPr>
           <a:xfrm>
-            <a:off x="500917" y="1938073"/>
-            <a:ext cx="8142166" cy="1843424"/>
+            <a:off x="326302" y="1938073"/>
+            <a:ext cx="7247591" cy="1640888"/>
             <a:chOff x="193868" y="1938073"/>
             <a:chExt cx="8142166" cy="1843424"/>
           </a:xfrm>
@@ -7876,8 +7876,8 @@
         </p:blipFill>
         <p:spPr bwMode="auto">
           <a:xfrm>
-            <a:off x="4082341" y="3800700"/>
-            <a:ext cx="979319" cy="1305758"/>
+            <a:off x="7625171" y="1938073"/>
+            <a:ext cx="1230667" cy="1640888"/>
           </a:xfrm>
           <a:prstGeom prst="rect">
             <a:avLst/>
